--- a/AIE_Presentations/AI Learning Systems.pptx
+++ b/AIE_Presentations/AI Learning Systems.pptx
@@ -158,14 +158,57 @@
           <pc:docMk/>
           <pc:sldMk cId="1051487542" sldId="273"/>
         </pc:sldMkLst>
-        <pc:picChg chg="mod">
-          <ac:chgData name="Myers, Chelsea" userId="f282533b-c263-466c-86f9-3d67bd04ab31" providerId="ADAL" clId="{B1CD4BFB-A0F6-4305-A94B-A0C37CB944B9}" dt="2025-03-17T19:37:32.416" v="3" actId="1036"/>
-          <ac:picMkLst>
-            <pc:docMk/>
-            <pc:sldMk cId="1051487542" sldId="273"/>
-            <ac:picMk id="5" creationId="{85F9AD23-0FF9-DF2C-C7A8-34D15F53407B}"/>
-          </ac:picMkLst>
-        </pc:picChg>
+      </pc:sldChg>
+    </pc:docChg>
+  </pc:docChgLst>
+  <pc:docChgLst>
+    <pc:chgData name="Myers, Chelsea" userId="f282533b-c263-466c-86f9-3d67bd04ab31" providerId="ADAL" clId="{1153E156-F2EA-46F5-9771-A633B9837E64}"/>
+    <pc:docChg chg="delSld modSld">
+      <pc:chgData name="Myers, Chelsea" userId="f282533b-c263-466c-86f9-3d67bd04ab31" providerId="ADAL" clId="{1153E156-F2EA-46F5-9771-A633B9837E64}" dt="2024-12-28T20:47:06.839" v="68"/>
+      <pc:docMkLst>
+        <pc:docMk/>
+      </pc:docMkLst>
+      <pc:sldChg chg="modNotesTx">
+        <pc:chgData name="Myers, Chelsea" userId="f282533b-c263-466c-86f9-3d67bd04ab31" providerId="ADAL" clId="{1153E156-F2EA-46F5-9771-A633B9837E64}" dt="2024-12-25T23:35:30.668" v="0"/>
+        <pc:sldMkLst>
+          <pc:docMk/>
+          <pc:sldMk cId="0" sldId="268"/>
+        </pc:sldMkLst>
+      </pc:sldChg>
+      <pc:sldChg chg="modNotesTx">
+        <pc:chgData name="Myers, Chelsea" userId="f282533b-c263-466c-86f9-3d67bd04ab31" providerId="ADAL" clId="{1153E156-F2EA-46F5-9771-A633B9837E64}" dt="2024-12-28T20:42:08.967" v="50"/>
+        <pc:sldMkLst>
+          <pc:docMk/>
+          <pc:sldMk cId="0" sldId="272"/>
+        </pc:sldMkLst>
+      </pc:sldChg>
+      <pc:sldChg chg="modNotesTx">
+        <pc:chgData name="Myers, Chelsea" userId="f282533b-c263-466c-86f9-3d67bd04ab31" providerId="ADAL" clId="{1153E156-F2EA-46F5-9771-A633B9837E64}" dt="2024-12-28T20:45:50.719" v="59" actId="20577"/>
+        <pc:sldMkLst>
+          <pc:docMk/>
+          <pc:sldMk cId="1379475745" sldId="274"/>
+        </pc:sldMkLst>
+      </pc:sldChg>
+      <pc:sldChg chg="del">
+        <pc:chgData name="Myers, Chelsea" userId="f282533b-c263-466c-86f9-3d67bd04ab31" providerId="ADAL" clId="{1153E156-F2EA-46F5-9771-A633B9837E64}" dt="2024-12-28T20:44:57.595" v="56" actId="2696"/>
+        <pc:sldMkLst>
+          <pc:docMk/>
+          <pc:sldMk cId="4246291952" sldId="275"/>
+        </pc:sldMkLst>
+      </pc:sldChg>
+      <pc:sldChg chg="modNotesTx">
+        <pc:chgData name="Myers, Chelsea" userId="f282533b-c263-466c-86f9-3d67bd04ab31" providerId="ADAL" clId="{1153E156-F2EA-46F5-9771-A633B9837E64}" dt="2024-12-28T20:47:06.839" v="68"/>
+        <pc:sldMkLst>
+          <pc:docMk/>
+          <pc:sldMk cId="2495595388" sldId="276"/>
+        </pc:sldMkLst>
+      </pc:sldChg>
+      <pc:sldChg chg="modNotesTx">
+        <pc:chgData name="Myers, Chelsea" userId="f282533b-c263-466c-86f9-3d67bd04ab31" providerId="ADAL" clId="{1153E156-F2EA-46F5-9771-A633B9837E64}" dt="2024-12-28T20:43:16.402" v="55"/>
+        <pc:sldMkLst>
+          <pc:docMk/>
+          <pc:sldMk cId="2797580797" sldId="277"/>
+        </pc:sldMkLst>
       </pc:sldChg>
     </pc:docChg>
   </pc:docChgLst>
@@ -377,53 +420,26 @@
     </pc:docChg>
   </pc:docChgLst>
   <pc:docChgLst>
-    <pc:chgData name="Myers, Chelsea" userId="f282533b-c263-466c-86f9-3d67bd04ab31" providerId="ADAL" clId="{1153E156-F2EA-46F5-9771-A633B9837E64}"/>
-    <pc:docChg chg="delSld modSld">
-      <pc:chgData name="Myers, Chelsea" userId="f282533b-c263-466c-86f9-3d67bd04ab31" providerId="ADAL" clId="{1153E156-F2EA-46F5-9771-A633B9837E64}" dt="2024-12-28T20:47:06.839" v="68"/>
+    <pc:chgData name="Myers, Chelsea" userId="f282533b-c263-466c-86f9-3d67bd04ab31" providerId="ADAL" clId="{97151B6A-6145-4AD2-A3B9-94D4BF35BF45}"/>
+    <pc:docChg chg="modSld">
+      <pc:chgData name="Myers, Chelsea" userId="f282533b-c263-466c-86f9-3d67bd04ab31" providerId="ADAL" clId="{97151B6A-6145-4AD2-A3B9-94D4BF35BF45}" dt="2025-09-15T14:46:38.441" v="1" actId="20577"/>
       <pc:docMkLst>
         <pc:docMk/>
       </pc:docMkLst>
-      <pc:sldChg chg="modNotesTx">
-        <pc:chgData name="Myers, Chelsea" userId="f282533b-c263-466c-86f9-3d67bd04ab31" providerId="ADAL" clId="{1153E156-F2EA-46F5-9771-A633B9837E64}" dt="2024-12-25T23:35:30.668" v="0"/>
+      <pc:sldChg chg="modSp mod">
+        <pc:chgData name="Myers, Chelsea" userId="f282533b-c263-466c-86f9-3d67bd04ab31" providerId="ADAL" clId="{97151B6A-6145-4AD2-A3B9-94D4BF35BF45}" dt="2025-09-15T14:46:38.441" v="1" actId="20577"/>
         <pc:sldMkLst>
           <pc:docMk/>
-          <pc:sldMk cId="0" sldId="268"/>
+          <pc:sldMk cId="0" sldId="259"/>
         </pc:sldMkLst>
-      </pc:sldChg>
-      <pc:sldChg chg="modNotesTx">
-        <pc:chgData name="Myers, Chelsea" userId="f282533b-c263-466c-86f9-3d67bd04ab31" providerId="ADAL" clId="{1153E156-F2EA-46F5-9771-A633B9837E64}" dt="2024-12-28T20:42:08.967" v="50"/>
-        <pc:sldMkLst>
-          <pc:docMk/>
-          <pc:sldMk cId="0" sldId="272"/>
-        </pc:sldMkLst>
-      </pc:sldChg>
-      <pc:sldChg chg="modNotesTx">
-        <pc:chgData name="Myers, Chelsea" userId="f282533b-c263-466c-86f9-3d67bd04ab31" providerId="ADAL" clId="{1153E156-F2EA-46F5-9771-A633B9837E64}" dt="2024-12-28T20:45:50.719" v="59" actId="20577"/>
-        <pc:sldMkLst>
-          <pc:docMk/>
-          <pc:sldMk cId="1379475745" sldId="274"/>
-        </pc:sldMkLst>
-      </pc:sldChg>
-      <pc:sldChg chg="del">
-        <pc:chgData name="Myers, Chelsea" userId="f282533b-c263-466c-86f9-3d67bd04ab31" providerId="ADAL" clId="{1153E156-F2EA-46F5-9771-A633B9837E64}" dt="2024-12-28T20:44:57.595" v="56" actId="2696"/>
-        <pc:sldMkLst>
-          <pc:docMk/>
-          <pc:sldMk cId="4246291952" sldId="275"/>
-        </pc:sldMkLst>
-      </pc:sldChg>
-      <pc:sldChg chg="modNotesTx">
-        <pc:chgData name="Myers, Chelsea" userId="f282533b-c263-466c-86f9-3d67bd04ab31" providerId="ADAL" clId="{1153E156-F2EA-46F5-9771-A633B9837E64}" dt="2024-12-28T20:47:06.839" v="68"/>
-        <pc:sldMkLst>
-          <pc:docMk/>
-          <pc:sldMk cId="2495595388" sldId="276"/>
-        </pc:sldMkLst>
-      </pc:sldChg>
-      <pc:sldChg chg="modNotesTx">
-        <pc:chgData name="Myers, Chelsea" userId="f282533b-c263-466c-86f9-3d67bd04ab31" providerId="ADAL" clId="{1153E156-F2EA-46F5-9771-A633B9837E64}" dt="2024-12-28T20:43:16.402" v="55"/>
-        <pc:sldMkLst>
-          <pc:docMk/>
-          <pc:sldMk cId="2797580797" sldId="277"/>
-        </pc:sldMkLst>
+        <pc:spChg chg="mod">
+          <ac:chgData name="Myers, Chelsea" userId="f282533b-c263-466c-86f9-3d67bd04ab31" providerId="ADAL" clId="{97151B6A-6145-4AD2-A3B9-94D4BF35BF45}" dt="2025-09-15T14:46:38.441" v="1" actId="20577"/>
+          <ac:spMkLst>
+            <pc:docMk/>
+            <pc:sldMk cId="0" sldId="259"/>
+            <ac:spMk id="3" creationId="{00000000-0000-0000-0000-000000000000}"/>
+          </ac:spMkLst>
+        </pc:spChg>
       </pc:sldChg>
     </pc:docChg>
   </pc:docChgLst>
@@ -512,7 +528,7 @@
           <a:p>
             <a:fld id="{CC9680B7-A211-431D-B6B2-815D19B7BD70}" type="datetimeFigureOut">
               <a:rPr lang="en-US" smtClean="0"/>
-              <a:t>6/13/25</a:t>
+              <a:t>9/15/2025</a:t>
             </a:fld>
             <a:endParaRPr lang="en-US"/>
           </a:p>
@@ -2938,7 +2954,7 @@
           <a:p>
             <a:fld id="{5BCAD085-E8A6-8845-BD4E-CB4CCA059FC4}" type="datetimeFigureOut">
               <a:rPr lang="en-US" smtClean="0"/>
-              <a:t>6/13/25</a:t>
+              <a:t>9/15/2025</a:t>
             </a:fld>
             <a:endParaRPr lang="en-US"/>
           </a:p>
@@ -3106,7 +3122,7 @@
           <a:p>
             <a:fld id="{5BCAD085-E8A6-8845-BD4E-CB4CCA059FC4}" type="datetimeFigureOut">
               <a:rPr lang="en-US" smtClean="0"/>
-              <a:t>6/13/25</a:t>
+              <a:t>9/15/2025</a:t>
             </a:fld>
             <a:endParaRPr lang="en-US"/>
           </a:p>
@@ -3284,7 +3300,7 @@
           <a:p>
             <a:fld id="{5BCAD085-E8A6-8845-BD4E-CB4CCA059FC4}" type="datetimeFigureOut">
               <a:rPr lang="en-US" smtClean="0"/>
-              <a:t>6/13/25</a:t>
+              <a:t>9/15/2025</a:t>
             </a:fld>
             <a:endParaRPr lang="en-US"/>
           </a:p>
@@ -3452,7 +3468,7 @@
           <a:p>
             <a:fld id="{5BCAD085-E8A6-8845-BD4E-CB4CCA059FC4}" type="datetimeFigureOut">
               <a:rPr lang="en-US" smtClean="0"/>
-              <a:t>6/13/25</a:t>
+              <a:t>9/15/2025</a:t>
             </a:fld>
             <a:endParaRPr lang="en-US"/>
           </a:p>
@@ -3697,7 +3713,7 @@
           <a:p>
             <a:fld id="{5BCAD085-E8A6-8845-BD4E-CB4CCA059FC4}" type="datetimeFigureOut">
               <a:rPr lang="en-US" smtClean="0"/>
-              <a:t>6/13/25</a:t>
+              <a:t>9/15/2025</a:t>
             </a:fld>
             <a:endParaRPr lang="en-US"/>
           </a:p>
@@ -3982,7 +3998,7 @@
           <a:p>
             <a:fld id="{5BCAD085-E8A6-8845-BD4E-CB4CCA059FC4}" type="datetimeFigureOut">
               <a:rPr lang="en-US" smtClean="0"/>
-              <a:t>6/13/25</a:t>
+              <a:t>9/15/2025</a:t>
             </a:fld>
             <a:endParaRPr lang="en-US"/>
           </a:p>
@@ -4401,7 +4417,7 @@
           <a:p>
             <a:fld id="{5BCAD085-E8A6-8845-BD4E-CB4CCA059FC4}" type="datetimeFigureOut">
               <a:rPr lang="en-US" smtClean="0"/>
-              <a:t>6/13/25</a:t>
+              <a:t>9/15/2025</a:t>
             </a:fld>
             <a:endParaRPr lang="en-US"/>
           </a:p>
@@ -4518,7 +4534,7 @@
           <a:p>
             <a:fld id="{5BCAD085-E8A6-8845-BD4E-CB4CCA059FC4}" type="datetimeFigureOut">
               <a:rPr lang="en-US" smtClean="0"/>
-              <a:t>6/13/25</a:t>
+              <a:t>9/15/2025</a:t>
             </a:fld>
             <a:endParaRPr lang="en-US"/>
           </a:p>
@@ -4613,7 +4629,7 @@
           <a:p>
             <a:fld id="{5BCAD085-E8A6-8845-BD4E-CB4CCA059FC4}" type="datetimeFigureOut">
               <a:rPr lang="en-US" smtClean="0"/>
-              <a:t>6/13/25</a:t>
+              <a:t>9/15/2025</a:t>
             </a:fld>
             <a:endParaRPr lang="en-US"/>
           </a:p>
@@ -4888,7 +4904,7 @@
           <a:p>
             <a:fld id="{5BCAD085-E8A6-8845-BD4E-CB4CCA059FC4}" type="datetimeFigureOut">
               <a:rPr lang="en-US" smtClean="0"/>
-              <a:t>6/13/25</a:t>
+              <a:t>9/15/2025</a:t>
             </a:fld>
             <a:endParaRPr lang="en-US"/>
           </a:p>
@@ -5140,7 +5156,7 @@
           <a:p>
             <a:fld id="{5BCAD085-E8A6-8845-BD4E-CB4CCA059FC4}" type="datetimeFigureOut">
               <a:rPr lang="en-US" smtClean="0"/>
-              <a:t>6/13/25</a:t>
+              <a:t>9/15/2025</a:t>
             </a:fld>
             <a:endParaRPr lang="en-US"/>
           </a:p>
@@ -5351,7 +5367,7 @@
           <a:p>
             <a:fld id="{5BCAD085-E8A6-8845-BD4E-CB4CCA059FC4}" type="datetimeFigureOut">
               <a:rPr lang="en-US" smtClean="0"/>
-              <a:t>6/13/25</a:t>
+              <a:t>9/15/2025</a:t>
             </a:fld>
             <a:endParaRPr lang="en-US"/>
           </a:p>
@@ -9102,7 +9118,7 @@
             </a:r>
             <a:r>
               <a:rPr lang="en-US" sz="2400" dirty="0"/>
-              <a:t>(1964)</a:t>
+              <a:t>(1966)</a:t>
             </a:r>
           </a:p>
         </p:txBody>
